--- a/test/pptx/list-level/output.pptx
+++ b/test/pptx/list-level/output.pptx
@@ -2860,7 +2860,7 @@
       </a:lvl1pPr>
     </p:titleStyle>
     <p:bodyStyle>
-      <a:lvl1pPr algn="l" defTabSz="457200" eaLnBrk="1" hangingPunct="1" indent="-342900" latinLnBrk="0" marL="342900" rtl="0">
+      <a:lvl1pPr algn="l" defTabSz="457200" eaLnBrk="1" hangingPunct="1" indent="-457200" latinLnBrk="0" marL="457200" rtl="0">
         <a:spcBef>
           <a:spcPct val="20000"/>
         </a:spcBef>
@@ -2875,7 +2875,7 @@
           <a:cs typeface="+mn-cs"/>
         </a:defRPr>
       </a:lvl1pPr>
-      <a:lvl2pPr algn="l" defTabSz="457200" eaLnBrk="1" hangingPunct="1" indent="-285750" latinLnBrk="0" marL="742950" rtl="0">
+      <a:lvl2pPr algn="l" defTabSz="457200" eaLnBrk="1" hangingPunct="1" indent="-457200" latinLnBrk="0" marL="914400" rtl="0">
         <a:spcBef>
           <a:spcPct val="20000"/>
         </a:spcBef>
@@ -2890,7 +2890,7 @@
           <a:cs typeface="+mn-cs"/>
         </a:defRPr>
       </a:lvl2pPr>
-      <a:lvl3pPr algn="l" defTabSz="457200" eaLnBrk="1" hangingPunct="1" indent="-228600" latinLnBrk="0" marL="1143000" rtl="0">
+      <a:lvl3pPr algn="l" defTabSz="457200" eaLnBrk="1" hangingPunct="1" indent="-457200" latinLnBrk="0" marL="1371600" rtl="0">
         <a:spcBef>
           <a:spcPct val="20000"/>
         </a:spcBef>
@@ -2905,7 +2905,7 @@
           <a:cs typeface="+mn-cs"/>
         </a:defRPr>
       </a:lvl3pPr>
-      <a:lvl4pPr algn="l" defTabSz="457200" eaLnBrk="1" hangingPunct="1" indent="-228600" latinLnBrk="0" marL="1600200" rtl="0">
+      <a:lvl4pPr algn="l" defTabSz="457200" eaLnBrk="1" hangingPunct="1" indent="-457200" latinLnBrk="0" marL="1828800" rtl="0">
         <a:spcBef>
           <a:spcPct val="20000"/>
         </a:spcBef>
@@ -2920,7 +2920,7 @@
           <a:cs typeface="+mn-cs"/>
         </a:defRPr>
       </a:lvl4pPr>
-      <a:lvl5pPr algn="l" defTabSz="457200" eaLnBrk="1" hangingPunct="1" indent="-228600" latinLnBrk="0" marL="2057400" rtl="0">
+      <a:lvl5pPr algn="l" defTabSz="457200" eaLnBrk="1" hangingPunct="1" indent="-457200" latinLnBrk="0" marL="2286000" rtl="0">
         <a:spcBef>
           <a:spcPct val="20000"/>
         </a:spcBef>
@@ -2935,7 +2935,7 @@
           <a:cs typeface="+mn-cs"/>
         </a:defRPr>
       </a:lvl5pPr>
-      <a:lvl6pPr algn="l" defTabSz="457200" eaLnBrk="1" hangingPunct="1" indent="-228600" latinLnBrk="0" marL="2514600" rtl="0">
+      <a:lvl6pPr algn="l" defTabSz="457200" eaLnBrk="1" hangingPunct="1" indent="-457200" latinLnBrk="0" marL="2743200" rtl="0">
         <a:spcBef>
           <a:spcPct val="20000"/>
         </a:spcBef>
@@ -2950,7 +2950,7 @@
           <a:cs typeface="+mn-cs"/>
         </a:defRPr>
       </a:lvl6pPr>
-      <a:lvl7pPr algn="l" defTabSz="457200" eaLnBrk="1" hangingPunct="1" indent="-228600" latinLnBrk="0" marL="2971800" rtl="0">
+      <a:lvl7pPr algn="l" defTabSz="457200" eaLnBrk="1" hangingPunct="1" indent="-457200" latinLnBrk="0" marL="3200400" rtl="0">
         <a:spcBef>
           <a:spcPct val="20000"/>
         </a:spcBef>
@@ -2965,7 +2965,7 @@
           <a:cs typeface="+mn-cs"/>
         </a:defRPr>
       </a:lvl7pPr>
-      <a:lvl8pPr algn="l" defTabSz="457200" eaLnBrk="1" hangingPunct="1" indent="-228600" latinLnBrk="0" marL="3429000" rtl="0">
+      <a:lvl8pPr algn="l" defTabSz="457200" eaLnBrk="1" hangingPunct="1" indent="-457200" latinLnBrk="0" marL="3657600" rtl="0">
         <a:spcBef>
           <a:spcPct val="20000"/>
         </a:spcBef>
@@ -2980,7 +2980,7 @@
           <a:cs typeface="+mn-cs"/>
         </a:defRPr>
       </a:lvl8pPr>
-      <a:lvl9pPr algn="l" defTabSz="457200" eaLnBrk="1" hangingPunct="1" indent="-228600" latinLnBrk="0" marL="3886200" rtl="0">
+      <a:lvl9pPr algn="l" defTabSz="457200" eaLnBrk="1" hangingPunct="1" indent="-457200" latinLnBrk="0" marL="4114800" rtl="0">
         <a:spcBef>
           <a:spcPct val="20000"/>
         </a:spcBef>
@@ -3127,7 +3127,7 @@
           <a:bodyPr/>
           <a:lstStyle/>
           <a:p>
-            <a:pPr lvl="0" marL="0" indent="0">
+            <a:pPr lvl="0" indent="0" marL="0">
               <a:buNone/>
             </a:pPr>
             <a:r>
@@ -3159,7 +3159,7 @@
             </a:r>
           </a:p>
           <a:p>
-            <a:pPr lvl="1">
+            <a:pPr lvl="1" indent="0" marL="457200">
               <a:buNone/>
             </a:pPr>
             <a:r>
@@ -3234,7 +3234,7 @@
           <a:bodyPr/>
           <a:lstStyle/>
           <a:p>
-            <a:pPr lvl="0" marL="0" indent="0">
+            <a:pPr lvl="0" indent="0" marL="0">
               <a:buNone/>
             </a:pPr>
             <a:r>
@@ -3259,7 +3259,7 @@
           <a:bodyPr/>
           <a:lstStyle/>
           <a:p>
-            <a:pPr lvl="0" marL="0" indent="0">
+            <a:pPr lvl="0" indent="0" marL="0">
               <a:buNone/>
             </a:pPr>
             <a:r>
@@ -3268,7 +3268,7 @@
             </a:r>
           </a:p>
           <a:p>
-            <a:pPr lvl="0">
+            <a:pPr lvl="0" indent="-457200" marL="457200">
               <a:buAutoNum type="arabicPeriod"/>
             </a:pPr>
             <a:r>
@@ -3277,7 +3277,7 @@
             </a:r>
           </a:p>
           <a:p>
-            <a:pPr lvl="1">
+            <a:pPr lvl="1" indent="0" marL="457200">
               <a:buNone/>
             </a:pPr>
             <a:r>
@@ -3286,7 +3286,7 @@
             </a:r>
           </a:p>
           <a:p>
-            <a:pPr lvl="1">
+            <a:pPr lvl="1" indent="-457200" marL="914400">
               <a:buAutoNum type="arabicPeriod"/>
             </a:pPr>
             <a:r>
@@ -3295,7 +3295,7 @@
             </a:r>
           </a:p>
           <a:p>
-            <a:pPr lvl="2">
+            <a:pPr lvl="2" indent="0" marL="914400">
               <a:buNone/>
             </a:pPr>
             <a:r>
@@ -3304,7 +3304,7 @@
             </a:r>
           </a:p>
           <a:p>
-            <a:pPr lvl="1">
+            <a:pPr lvl="1" indent="-457200" marL="914400">
               <a:buAutoNum type="arabicPeriod"/>
             </a:pPr>
             <a:r>
@@ -3313,7 +3313,7 @@
             </a:r>
           </a:p>
           <a:p>
-            <a:pPr lvl="0">
+            <a:pPr lvl="0" indent="-457200" marL="457200">
               <a:buAutoNum type="arabicPeriod"/>
             </a:pPr>
             <a:r>
@@ -3322,7 +3322,7 @@
             </a:r>
           </a:p>
           <a:p>
-            <a:pPr lvl="0" marL="0" indent="0">
+            <a:pPr lvl="0" indent="0" marL="0">
               <a:buNone/>
             </a:pPr>
             <a:r>

--- a/test/pptx/list-level/output.pptx
+++ b/test/pptx/list-level/output.pptx
@@ -8,7 +8,7 @@
     <p:sldId id="256" r:id="rId2"/>
     <p:sldId id="257" r:id="rId3"/>
   </p:sldIdLst>
-  <p:sldSz cx="9144000" cy="6858000" type="screen4x3"/>
+  <p:sldSz cx="9144000" cy="5143500" type="screen16x9"/>
   <p:notesSz cx="6858000" cy="9144000"/>
   <p:defaultTextStyle>
     <a:defPPr>
@@ -108,12 +108,12 @@
   <p:extLst>
     <p:ext uri="{EFAFB233-063F-42B5-8137-9DF3F51BA10A}">
       <p15:sldGuideLst xmlns:p15="http://schemas.microsoft.com/office/powerpoint/2012/main">
-        <p15:guide id="1" orient="horz" pos="2160">
+        <p15:guide id="1" orient="horz" pos="1620" userDrawn="1">
           <p15:clr>
             <a:srgbClr val="A4A3A4"/>
           </p15:clr>
         </p15:guide>
-        <p15:guide id="2" pos="2880">
+        <p15:guide id="2" pos="2880" userDrawn="1">
           <p15:clr>
             <a:srgbClr val="A4A3A4"/>
           </p15:clr>
@@ -153,8 +153,8 @@
         </p:nvSpPr>
         <p:spPr>
           <a:xfrm>
-            <a:off x="685800" y="2130425"/>
-            <a:ext cx="7772400" cy="1470025"/>
+            <a:off x="685800" y="1597819"/>
+            <a:ext cx="7772400" cy="1102519"/>
           </a:xfrm>
         </p:spPr>
         <p:txBody>
@@ -162,10 +162,9 @@
           <a:lstStyle/>
           <a:p>
             <a:r>
-              <a:rPr lang="en-US" smtClean="0"/>
+              <a:rPr lang="en-US"/>
               <a:t>Click to edit Master title style</a:t>
             </a:r>
-            <a:endParaRPr lang="en-US"/>
           </a:p>
         </p:txBody>
       </p:sp>
@@ -181,8 +180,8 @@
         </p:nvSpPr>
         <p:spPr>
           <a:xfrm>
-            <a:off x="1371600" y="3886200"/>
-            <a:ext cx="6400800" cy="1752600"/>
+            <a:off x="1371600" y="2914650"/>
+            <a:ext cx="6400800" cy="1314450"/>
           </a:xfrm>
         </p:spPr>
         <p:txBody>
@@ -198,7 +197,7 @@
                 </a:solidFill>
               </a:defRPr>
             </a:lvl1pPr>
-            <a:lvl2pPr marL="457200" indent="0" algn="ctr">
+            <a:lvl2pPr marL="342900" indent="0" algn="ctr">
               <a:buNone/>
               <a:defRPr>
                 <a:solidFill>
@@ -208,7 +207,7 @@
                 </a:solidFill>
               </a:defRPr>
             </a:lvl2pPr>
-            <a:lvl3pPr marL="914400" indent="0" algn="ctr">
+            <a:lvl3pPr marL="685800" indent="0" algn="ctr">
               <a:buNone/>
               <a:defRPr>
                 <a:solidFill>
@@ -218,7 +217,7 @@
                 </a:solidFill>
               </a:defRPr>
             </a:lvl3pPr>
-            <a:lvl4pPr marL="1371600" indent="0" algn="ctr">
+            <a:lvl4pPr marL="1028700" indent="0" algn="ctr">
               <a:buNone/>
               <a:defRPr>
                 <a:solidFill>
@@ -228,7 +227,7 @@
                 </a:solidFill>
               </a:defRPr>
             </a:lvl4pPr>
-            <a:lvl5pPr marL="1828800" indent="0" algn="ctr">
+            <a:lvl5pPr marL="1371600" indent="0" algn="ctr">
               <a:buNone/>
               <a:defRPr>
                 <a:solidFill>
@@ -238,7 +237,7 @@
                 </a:solidFill>
               </a:defRPr>
             </a:lvl5pPr>
-            <a:lvl6pPr marL="2286000" indent="0" algn="ctr">
+            <a:lvl6pPr marL="1714500" indent="0" algn="ctr">
               <a:buNone/>
               <a:defRPr>
                 <a:solidFill>
@@ -248,7 +247,7 @@
                 </a:solidFill>
               </a:defRPr>
             </a:lvl6pPr>
-            <a:lvl7pPr marL="2743200" indent="0" algn="ctr">
+            <a:lvl7pPr marL="2057400" indent="0" algn="ctr">
               <a:buNone/>
               <a:defRPr>
                 <a:solidFill>
@@ -258,7 +257,7 @@
                 </a:solidFill>
               </a:defRPr>
             </a:lvl7pPr>
-            <a:lvl8pPr marL="3200400" indent="0" algn="ctr">
+            <a:lvl8pPr marL="2400300" indent="0" algn="ctr">
               <a:buNone/>
               <a:defRPr>
                 <a:solidFill>
@@ -268,7 +267,7 @@
                 </a:solidFill>
               </a:defRPr>
             </a:lvl8pPr>
-            <a:lvl9pPr marL="3657600" indent="0" algn="ctr">
+            <a:lvl9pPr marL="2743200" indent="0" algn="ctr">
               <a:buNone/>
               <a:defRPr>
                 <a:solidFill>
@@ -281,10 +280,9 @@
           </a:lstStyle>
           <a:p>
             <a:r>
-              <a:rPr lang="en-US" smtClean="0"/>
+              <a:rPr lang="en-US"/>
               <a:t>Click to edit Master subtitle style</a:t>
             </a:r>
-            <a:endParaRPr lang="en-US"/>
           </a:p>
         </p:txBody>
       </p:sp>
@@ -305,7 +303,7 @@
           <a:p>
             <a:fld id="{241EB5C9-1307-BA42-ABA2-0BC069CD8E7F}" type="datetimeFigureOut">
               <a:rPr lang="en-US" smtClean="0"/>
-              <a:t>4/5/2019</a:t>
+              <a:t>1/2/22</a:t>
             </a:fld>
             <a:endParaRPr lang="en-US"/>
           </a:p>
@@ -399,10 +397,9 @@
           <a:lstStyle/>
           <a:p>
             <a:r>
-              <a:rPr lang="en-US" smtClean="0"/>
+              <a:rPr lang="en-US"/>
               <a:t>Click to edit Master title style</a:t>
             </a:r>
-            <a:endParaRPr lang="en-US"/>
           </a:p>
         </p:txBody>
       </p:sp>
@@ -423,38 +420,37 @@
           <a:p>
             <a:pPr lvl="0"/>
             <a:r>
-              <a:rPr lang="en-US" smtClean="0"/>
+              <a:rPr lang="en-US"/>
               <a:t>Click to edit Master text styles</a:t>
             </a:r>
           </a:p>
           <a:p>
             <a:pPr lvl="1"/>
             <a:r>
-              <a:rPr lang="en-US" smtClean="0"/>
+              <a:rPr lang="en-US"/>
               <a:t>Second level</a:t>
             </a:r>
           </a:p>
           <a:p>
             <a:pPr lvl="2"/>
             <a:r>
-              <a:rPr lang="en-US" smtClean="0"/>
+              <a:rPr lang="en-US"/>
               <a:t>Third level</a:t>
             </a:r>
           </a:p>
           <a:p>
             <a:pPr lvl="3"/>
             <a:r>
-              <a:rPr lang="en-US" smtClean="0"/>
+              <a:rPr lang="en-US"/>
               <a:t>Fourth level</a:t>
             </a:r>
           </a:p>
           <a:p>
             <a:pPr lvl="4"/>
             <a:r>
-              <a:rPr lang="en-US" smtClean="0"/>
+              <a:rPr lang="en-US"/>
               <a:t>Fifth level</a:t>
             </a:r>
-            <a:endParaRPr lang="en-US"/>
           </a:p>
         </p:txBody>
       </p:sp>
@@ -475,7 +471,7 @@
           <a:p>
             <a:fld id="{241EB5C9-1307-BA42-ABA2-0BC069CD8E7F}" type="datetimeFigureOut">
               <a:rPr lang="en-US" smtClean="0"/>
-              <a:t>4/5/2019</a:t>
+              <a:t>1/2/22</a:t>
             </a:fld>
             <a:endParaRPr lang="en-US"/>
           </a:p>
@@ -565,8 +561,8 @@
         </p:nvSpPr>
         <p:spPr>
           <a:xfrm>
-            <a:off x="6629400" y="274638"/>
-            <a:ext cx="2057400" cy="5851525"/>
+            <a:off x="6629400" y="205979"/>
+            <a:ext cx="2057400" cy="4388644"/>
           </a:xfrm>
         </p:spPr>
         <p:txBody>
@@ -574,10 +570,9 @@
           <a:lstStyle/>
           <a:p>
             <a:r>
-              <a:rPr lang="en-US" smtClean="0"/>
+              <a:rPr lang="en-US"/>
               <a:t>Click to edit Master title style</a:t>
             </a:r>
-            <a:endParaRPr lang="en-US"/>
           </a:p>
         </p:txBody>
       </p:sp>
@@ -593,8 +588,8 @@
         </p:nvSpPr>
         <p:spPr>
           <a:xfrm>
-            <a:off x="457200" y="274638"/>
-            <a:ext cx="6019800" cy="5851525"/>
+            <a:off x="457200" y="205979"/>
+            <a:ext cx="6019800" cy="4388644"/>
           </a:xfrm>
         </p:spPr>
         <p:txBody>
@@ -603,38 +598,37 @@
           <a:p>
             <a:pPr lvl="0"/>
             <a:r>
-              <a:rPr lang="en-US" smtClean="0"/>
+              <a:rPr lang="en-US"/>
               <a:t>Click to edit Master text styles</a:t>
             </a:r>
           </a:p>
           <a:p>
             <a:pPr lvl="1"/>
             <a:r>
-              <a:rPr lang="en-US" smtClean="0"/>
+              <a:rPr lang="en-US"/>
               <a:t>Second level</a:t>
             </a:r>
           </a:p>
           <a:p>
             <a:pPr lvl="2"/>
             <a:r>
-              <a:rPr lang="en-US" smtClean="0"/>
+              <a:rPr lang="en-US"/>
               <a:t>Third level</a:t>
             </a:r>
           </a:p>
           <a:p>
             <a:pPr lvl="3"/>
             <a:r>
-              <a:rPr lang="en-US" smtClean="0"/>
+              <a:rPr lang="en-US"/>
               <a:t>Fourth level</a:t>
             </a:r>
           </a:p>
           <a:p>
             <a:pPr lvl="4"/>
             <a:r>
-              <a:rPr lang="en-US" smtClean="0"/>
+              <a:rPr lang="en-US"/>
               <a:t>Fifth level</a:t>
             </a:r>
-            <a:endParaRPr lang="en-US"/>
           </a:p>
         </p:txBody>
       </p:sp>
@@ -655,7 +649,7 @@
           <a:p>
             <a:fld id="{241EB5C9-1307-BA42-ABA2-0BC069CD8E7F}" type="datetimeFigureOut">
               <a:rPr lang="en-US" smtClean="0"/>
-              <a:t>4/5/2019</a:t>
+              <a:t>1/2/22</a:t>
             </a:fld>
             <a:endParaRPr lang="en-US"/>
           </a:p>
@@ -749,10 +743,9 @@
           <a:lstStyle/>
           <a:p>
             <a:r>
-              <a:rPr lang="en-US" smtClean="0"/>
+              <a:rPr lang="en-US"/>
               <a:t>Click to edit Master title style</a:t>
             </a:r>
-            <a:endParaRPr lang="en-US"/>
           </a:p>
         </p:txBody>
       </p:sp>
@@ -773,38 +766,37 @@
           <a:p>
             <a:pPr lvl="0"/>
             <a:r>
-              <a:rPr lang="en-US" smtClean="0"/>
+              <a:rPr lang="en-US"/>
               <a:t>Click to edit Master text styles</a:t>
             </a:r>
           </a:p>
           <a:p>
             <a:pPr lvl="1"/>
             <a:r>
-              <a:rPr lang="en-US" smtClean="0"/>
+              <a:rPr lang="en-US"/>
               <a:t>Second level</a:t>
             </a:r>
           </a:p>
           <a:p>
             <a:pPr lvl="2"/>
             <a:r>
-              <a:rPr lang="en-US" smtClean="0"/>
+              <a:rPr lang="en-US"/>
               <a:t>Third level</a:t>
             </a:r>
           </a:p>
           <a:p>
             <a:pPr lvl="3"/>
             <a:r>
-              <a:rPr lang="en-US" smtClean="0"/>
+              <a:rPr lang="en-US"/>
               <a:t>Fourth level</a:t>
             </a:r>
           </a:p>
           <a:p>
             <a:pPr lvl="4"/>
             <a:r>
-              <a:rPr lang="en-US" smtClean="0"/>
+              <a:rPr lang="en-US"/>
               <a:t>Fifth level</a:t>
             </a:r>
-            <a:endParaRPr lang="en-US"/>
           </a:p>
         </p:txBody>
       </p:sp>
@@ -825,7 +817,7 @@
           <a:p>
             <a:fld id="{241EB5C9-1307-BA42-ABA2-0BC069CD8E7F}" type="datetimeFigureOut">
               <a:rPr lang="en-US" smtClean="0"/>
-              <a:t>4/5/2019</a:t>
+              <a:t>1/2/22</a:t>
             </a:fld>
             <a:endParaRPr lang="en-US"/>
           </a:p>
@@ -915,23 +907,22 @@
         </p:nvSpPr>
         <p:spPr>
           <a:xfrm>
-            <a:off x="722313" y="4406900"/>
-            <a:ext cx="7772400" cy="1362075"/>
+            <a:off x="722313" y="3305176"/>
+            <a:ext cx="7772400" cy="1021556"/>
           </a:xfrm>
         </p:spPr>
         <p:txBody>
           <a:bodyPr anchor="t"/>
           <a:lstStyle>
             <a:lvl1pPr algn="l">
-              <a:defRPr sz="4000" b="1" cap="all"/>
+              <a:defRPr sz="3000" b="1" cap="all"/>
             </a:lvl1pPr>
           </a:lstStyle>
           <a:p>
             <a:r>
-              <a:rPr lang="en-US" smtClean="0"/>
+              <a:rPr lang="en-US"/>
               <a:t>Click to edit Master title style</a:t>
             </a:r>
-            <a:endParaRPr lang="en-US"/>
           </a:p>
         </p:txBody>
       </p:sp>
@@ -947,8 +938,8 @@
         </p:nvSpPr>
         <p:spPr>
           <a:xfrm>
-            <a:off x="722313" y="2906713"/>
-            <a:ext cx="7772400" cy="1500187"/>
+            <a:off x="722313" y="2180035"/>
+            <a:ext cx="7772400" cy="1125140"/>
           </a:xfrm>
         </p:spPr>
         <p:txBody>
@@ -956,7 +947,7 @@
           <a:lstStyle>
             <a:lvl1pPr marL="0" indent="0">
               <a:buNone/>
-              <a:defRPr sz="2000">
+              <a:defRPr sz="1500">
                 <a:solidFill>
                   <a:schemeClr val="tx1">
                     <a:tint val="75000"/>
@@ -964,9 +955,9 @@
                 </a:solidFill>
               </a:defRPr>
             </a:lvl1pPr>
-            <a:lvl2pPr marL="457200" indent="0">
-              <a:buNone/>
-              <a:defRPr sz="1800">
+            <a:lvl2pPr marL="342900" indent="0">
+              <a:buNone/>
+              <a:defRPr sz="1350">
                 <a:solidFill>
                   <a:schemeClr val="tx1">
                     <a:tint val="75000"/>
@@ -974,9 +965,9 @@
                 </a:solidFill>
               </a:defRPr>
             </a:lvl2pPr>
-            <a:lvl3pPr marL="914400" indent="0">
-              <a:buNone/>
-              <a:defRPr sz="1600">
+            <a:lvl3pPr marL="685800" indent="0">
+              <a:buNone/>
+              <a:defRPr sz="1200">
                 <a:solidFill>
                   <a:schemeClr val="tx1">
                     <a:tint val="75000"/>
@@ -984,9 +975,9 @@
                 </a:solidFill>
               </a:defRPr>
             </a:lvl3pPr>
-            <a:lvl4pPr marL="1371600" indent="0">
-              <a:buNone/>
-              <a:defRPr sz="1400">
+            <a:lvl4pPr marL="1028700" indent="0">
+              <a:buNone/>
+              <a:defRPr sz="1050">
                 <a:solidFill>
                   <a:schemeClr val="tx1">
                     <a:tint val="75000"/>
@@ -994,9 +985,9 @@
                 </a:solidFill>
               </a:defRPr>
             </a:lvl4pPr>
-            <a:lvl5pPr marL="1828800" indent="0">
-              <a:buNone/>
-              <a:defRPr sz="1400">
+            <a:lvl5pPr marL="1371600" indent="0">
+              <a:buNone/>
+              <a:defRPr sz="1050">
                 <a:solidFill>
                   <a:schemeClr val="tx1">
                     <a:tint val="75000"/>
@@ -1004,9 +995,9 @@
                 </a:solidFill>
               </a:defRPr>
             </a:lvl5pPr>
-            <a:lvl6pPr marL="2286000" indent="0">
-              <a:buNone/>
-              <a:defRPr sz="1400">
+            <a:lvl6pPr marL="1714500" indent="0">
+              <a:buNone/>
+              <a:defRPr sz="1050">
                 <a:solidFill>
                   <a:schemeClr val="tx1">
                     <a:tint val="75000"/>
@@ -1014,9 +1005,9 @@
                 </a:solidFill>
               </a:defRPr>
             </a:lvl6pPr>
-            <a:lvl7pPr marL="2743200" indent="0">
-              <a:buNone/>
-              <a:defRPr sz="1400">
+            <a:lvl7pPr marL="2057400" indent="0">
+              <a:buNone/>
+              <a:defRPr sz="1050">
                 <a:solidFill>
                   <a:schemeClr val="tx1">
                     <a:tint val="75000"/>
@@ -1024,9 +1015,9 @@
                 </a:solidFill>
               </a:defRPr>
             </a:lvl7pPr>
-            <a:lvl8pPr marL="3200400" indent="0">
-              <a:buNone/>
-              <a:defRPr sz="1400">
+            <a:lvl8pPr marL="2400300" indent="0">
+              <a:buNone/>
+              <a:defRPr sz="1050">
                 <a:solidFill>
                   <a:schemeClr val="tx1">
                     <a:tint val="75000"/>
@@ -1034,9 +1025,9 @@
                 </a:solidFill>
               </a:defRPr>
             </a:lvl8pPr>
-            <a:lvl9pPr marL="3657600" indent="0">
-              <a:buNone/>
-              <a:defRPr sz="1400">
+            <a:lvl9pPr marL="2743200" indent="0">
+              <a:buNone/>
+              <a:defRPr sz="1050">
                 <a:solidFill>
                   <a:schemeClr val="tx1">
                     <a:tint val="75000"/>
@@ -1048,7 +1039,7 @@
           <a:p>
             <a:pPr lvl="0"/>
             <a:r>
-              <a:rPr lang="en-US" smtClean="0"/>
+              <a:rPr lang="en-US"/>
               <a:t>Click to edit Master text styles</a:t>
             </a:r>
           </a:p>
@@ -1071,7 +1062,7 @@
           <a:p>
             <a:fld id="{241EB5C9-1307-BA42-ABA2-0BC069CD8E7F}" type="datetimeFigureOut">
               <a:rPr lang="en-US" smtClean="0"/>
-              <a:t>4/5/2019</a:t>
+              <a:t>1/2/22</a:t>
             </a:fld>
             <a:endParaRPr lang="en-US"/>
           </a:p>
@@ -1165,10 +1156,9 @@
           <a:lstStyle/>
           <a:p>
             <a:r>
-              <a:rPr lang="en-US" smtClean="0"/>
+              <a:rPr lang="en-US"/>
               <a:t>Click to edit Master title style</a:t>
             </a:r>
-            <a:endParaRPr lang="en-US"/>
           </a:p>
         </p:txBody>
       </p:sp>
@@ -1184,76 +1174,75 @@
         </p:nvSpPr>
         <p:spPr>
           <a:xfrm>
-            <a:off x="457200" y="1600200"/>
-            <a:ext cx="4038600" cy="4525963"/>
+            <a:off x="457200" y="1200151"/>
+            <a:ext cx="4038600" cy="3394472"/>
           </a:xfrm>
         </p:spPr>
         <p:txBody>
           <a:bodyPr/>
           <a:lstStyle>
             <a:lvl1pPr>
-              <a:defRPr sz="2800"/>
+              <a:defRPr sz="2100"/>
             </a:lvl1pPr>
             <a:lvl2pPr>
-              <a:defRPr sz="2400"/>
+              <a:defRPr sz="1800"/>
             </a:lvl2pPr>
             <a:lvl3pPr>
-              <a:defRPr sz="2000"/>
+              <a:defRPr sz="1500"/>
             </a:lvl3pPr>
             <a:lvl4pPr>
-              <a:defRPr sz="1800"/>
+              <a:defRPr sz="1350"/>
             </a:lvl4pPr>
             <a:lvl5pPr>
-              <a:defRPr sz="1800"/>
+              <a:defRPr sz="1350"/>
             </a:lvl5pPr>
             <a:lvl6pPr>
-              <a:defRPr sz="1800"/>
+              <a:defRPr sz="1350"/>
             </a:lvl6pPr>
             <a:lvl7pPr>
-              <a:defRPr sz="1800"/>
+              <a:defRPr sz="1350"/>
             </a:lvl7pPr>
             <a:lvl8pPr>
-              <a:defRPr sz="1800"/>
+              <a:defRPr sz="1350"/>
             </a:lvl8pPr>
             <a:lvl9pPr>
-              <a:defRPr sz="1800"/>
+              <a:defRPr sz="1350"/>
             </a:lvl9pPr>
           </a:lstStyle>
           <a:p>
             <a:pPr lvl="0"/>
             <a:r>
-              <a:rPr lang="en-US" smtClean="0"/>
+              <a:rPr lang="en-US"/>
               <a:t>Click to edit Master text styles</a:t>
             </a:r>
           </a:p>
           <a:p>
             <a:pPr lvl="1"/>
             <a:r>
-              <a:rPr lang="en-US" smtClean="0"/>
+              <a:rPr lang="en-US"/>
               <a:t>Second level</a:t>
             </a:r>
           </a:p>
           <a:p>
             <a:pPr lvl="2"/>
             <a:r>
-              <a:rPr lang="en-US" smtClean="0"/>
+              <a:rPr lang="en-US"/>
               <a:t>Third level</a:t>
             </a:r>
           </a:p>
           <a:p>
             <a:pPr lvl="3"/>
             <a:r>
-              <a:rPr lang="en-US" smtClean="0"/>
+              <a:rPr lang="en-US"/>
               <a:t>Fourth level</a:t>
             </a:r>
           </a:p>
           <a:p>
             <a:pPr lvl="4"/>
             <a:r>
-              <a:rPr lang="en-US" smtClean="0"/>
+              <a:rPr lang="en-US"/>
               <a:t>Fifth level</a:t>
             </a:r>
-            <a:endParaRPr lang="en-US"/>
           </a:p>
         </p:txBody>
       </p:sp>
@@ -1269,76 +1258,75 @@
         </p:nvSpPr>
         <p:spPr>
           <a:xfrm>
-            <a:off x="4648200" y="1600200"/>
-            <a:ext cx="4038600" cy="4525963"/>
+            <a:off x="4648200" y="1200151"/>
+            <a:ext cx="4038600" cy="3394472"/>
           </a:xfrm>
         </p:spPr>
         <p:txBody>
           <a:bodyPr/>
           <a:lstStyle>
             <a:lvl1pPr>
-              <a:defRPr sz="2800"/>
+              <a:defRPr sz="2100"/>
             </a:lvl1pPr>
             <a:lvl2pPr>
-              <a:defRPr sz="2400"/>
+              <a:defRPr sz="1800"/>
             </a:lvl2pPr>
             <a:lvl3pPr>
-              <a:defRPr sz="2000"/>
+              <a:defRPr sz="1500"/>
             </a:lvl3pPr>
             <a:lvl4pPr>
-              <a:defRPr sz="1800"/>
+              <a:defRPr sz="1350"/>
             </a:lvl4pPr>
             <a:lvl5pPr>
-              <a:defRPr sz="1800"/>
+              <a:defRPr sz="1350"/>
             </a:lvl5pPr>
             <a:lvl6pPr>
-              <a:defRPr sz="1800"/>
+              <a:defRPr sz="1350"/>
             </a:lvl6pPr>
             <a:lvl7pPr>
-              <a:defRPr sz="1800"/>
+              <a:defRPr sz="1350"/>
             </a:lvl7pPr>
             <a:lvl8pPr>
-              <a:defRPr sz="1800"/>
+              <a:defRPr sz="1350"/>
             </a:lvl8pPr>
             <a:lvl9pPr>
-              <a:defRPr sz="1800"/>
+              <a:defRPr sz="1350"/>
             </a:lvl9pPr>
           </a:lstStyle>
           <a:p>
             <a:pPr lvl="0"/>
             <a:r>
-              <a:rPr lang="en-US" smtClean="0"/>
+              <a:rPr lang="en-US"/>
               <a:t>Click to edit Master text styles</a:t>
             </a:r>
           </a:p>
           <a:p>
             <a:pPr lvl="1"/>
             <a:r>
-              <a:rPr lang="en-US" smtClean="0"/>
+              <a:rPr lang="en-US"/>
               <a:t>Second level</a:t>
             </a:r>
           </a:p>
           <a:p>
             <a:pPr lvl="2"/>
             <a:r>
-              <a:rPr lang="en-US" smtClean="0"/>
+              <a:rPr lang="en-US"/>
               <a:t>Third level</a:t>
             </a:r>
           </a:p>
           <a:p>
             <a:pPr lvl="3"/>
             <a:r>
-              <a:rPr lang="en-US" smtClean="0"/>
+              <a:rPr lang="en-US"/>
               <a:t>Fourth level</a:t>
             </a:r>
           </a:p>
           <a:p>
             <a:pPr lvl="4"/>
             <a:r>
-              <a:rPr lang="en-US" smtClean="0"/>
+              <a:rPr lang="en-US"/>
               <a:t>Fifth level</a:t>
             </a:r>
-            <a:endParaRPr lang="en-US"/>
           </a:p>
         </p:txBody>
       </p:sp>
@@ -1359,7 +1347,7 @@
           <a:p>
             <a:fld id="{241EB5C9-1307-BA42-ABA2-0BC069CD8E7F}" type="datetimeFigureOut">
               <a:rPr lang="en-US" smtClean="0"/>
-              <a:t>4/5/2019</a:t>
+              <a:t>1/2/22</a:t>
             </a:fld>
             <a:endParaRPr lang="en-US"/>
           </a:p>
@@ -1457,10 +1445,9 @@
           </a:lstStyle>
           <a:p>
             <a:r>
-              <a:rPr lang="en-US" smtClean="0"/>
+              <a:rPr lang="en-US"/>
               <a:t>Click to edit Master title style</a:t>
             </a:r>
-            <a:endParaRPr lang="en-US"/>
           </a:p>
         </p:txBody>
       </p:sp>
@@ -1476,8 +1463,8 @@
         </p:nvSpPr>
         <p:spPr>
           <a:xfrm>
-            <a:off x="457200" y="1535113"/>
-            <a:ext cx="4040188" cy="639762"/>
+            <a:off x="457200" y="1151335"/>
+            <a:ext cx="4040188" cy="479822"/>
           </a:xfrm>
         </p:spPr>
         <p:txBody>
@@ -1485,45 +1472,45 @@
           <a:lstStyle>
             <a:lvl1pPr marL="0" indent="0">
               <a:buNone/>
-              <a:defRPr sz="2400" b="1"/>
+              <a:defRPr sz="1800" b="1"/>
             </a:lvl1pPr>
-            <a:lvl2pPr marL="457200" indent="0">
-              <a:buNone/>
-              <a:defRPr sz="2000" b="1"/>
+            <a:lvl2pPr marL="342900" indent="0">
+              <a:buNone/>
+              <a:defRPr sz="1500" b="1"/>
             </a:lvl2pPr>
-            <a:lvl3pPr marL="914400" indent="0">
-              <a:buNone/>
-              <a:defRPr sz="1800" b="1"/>
+            <a:lvl3pPr marL="685800" indent="0">
+              <a:buNone/>
+              <a:defRPr sz="1350" b="1"/>
             </a:lvl3pPr>
-            <a:lvl4pPr marL="1371600" indent="0">
-              <a:buNone/>
-              <a:defRPr sz="1600" b="1"/>
+            <a:lvl4pPr marL="1028700" indent="0">
+              <a:buNone/>
+              <a:defRPr sz="1200" b="1"/>
             </a:lvl4pPr>
-            <a:lvl5pPr marL="1828800" indent="0">
-              <a:buNone/>
-              <a:defRPr sz="1600" b="1"/>
+            <a:lvl5pPr marL="1371600" indent="0">
+              <a:buNone/>
+              <a:defRPr sz="1200" b="1"/>
             </a:lvl5pPr>
-            <a:lvl6pPr marL="2286000" indent="0">
-              <a:buNone/>
-              <a:defRPr sz="1600" b="1"/>
+            <a:lvl6pPr marL="1714500" indent="0">
+              <a:buNone/>
+              <a:defRPr sz="1200" b="1"/>
             </a:lvl6pPr>
-            <a:lvl7pPr marL="2743200" indent="0">
-              <a:buNone/>
-              <a:defRPr sz="1600" b="1"/>
+            <a:lvl7pPr marL="2057400" indent="0">
+              <a:buNone/>
+              <a:defRPr sz="1200" b="1"/>
             </a:lvl7pPr>
-            <a:lvl8pPr marL="3200400" indent="0">
-              <a:buNone/>
-              <a:defRPr sz="1600" b="1"/>
+            <a:lvl8pPr marL="2400300" indent="0">
+              <a:buNone/>
+              <a:defRPr sz="1200" b="1"/>
             </a:lvl8pPr>
-            <a:lvl9pPr marL="3657600" indent="0">
-              <a:buNone/>
-              <a:defRPr sz="1600" b="1"/>
+            <a:lvl9pPr marL="2743200" indent="0">
+              <a:buNone/>
+              <a:defRPr sz="1200" b="1"/>
             </a:lvl9pPr>
           </a:lstStyle>
           <a:p>
             <a:pPr lvl="0"/>
             <a:r>
-              <a:rPr lang="en-US" smtClean="0"/>
+              <a:rPr lang="en-US"/>
               <a:t>Click to edit Master text styles</a:t>
             </a:r>
           </a:p>
@@ -1541,76 +1528,75 @@
         </p:nvSpPr>
         <p:spPr>
           <a:xfrm>
-            <a:off x="457200" y="2174875"/>
-            <a:ext cx="4040188" cy="3951288"/>
+            <a:off x="457200" y="1631156"/>
+            <a:ext cx="4040188" cy="2963466"/>
           </a:xfrm>
         </p:spPr>
         <p:txBody>
           <a:bodyPr/>
           <a:lstStyle>
             <a:lvl1pPr>
-              <a:defRPr sz="2400"/>
+              <a:defRPr sz="1800"/>
             </a:lvl1pPr>
             <a:lvl2pPr>
-              <a:defRPr sz="2000"/>
+              <a:defRPr sz="1500"/>
             </a:lvl2pPr>
             <a:lvl3pPr>
-              <a:defRPr sz="1800"/>
+              <a:defRPr sz="1350"/>
             </a:lvl3pPr>
             <a:lvl4pPr>
-              <a:defRPr sz="1600"/>
+              <a:defRPr sz="1200"/>
             </a:lvl4pPr>
             <a:lvl5pPr>
-              <a:defRPr sz="1600"/>
+              <a:defRPr sz="1200"/>
             </a:lvl5pPr>
             <a:lvl6pPr>
-              <a:defRPr sz="1600"/>
+              <a:defRPr sz="1200"/>
             </a:lvl6pPr>
             <a:lvl7pPr>
-              <a:defRPr sz="1600"/>
+              <a:defRPr sz="1200"/>
             </a:lvl7pPr>
             <a:lvl8pPr>
-              <a:defRPr sz="1600"/>
+              <a:defRPr sz="1200"/>
             </a:lvl8pPr>
             <a:lvl9pPr>
-              <a:defRPr sz="1600"/>
+              <a:defRPr sz="1200"/>
             </a:lvl9pPr>
           </a:lstStyle>
           <a:p>
             <a:pPr lvl="0"/>
             <a:r>
-              <a:rPr lang="en-US" smtClean="0"/>
+              <a:rPr lang="en-US"/>
               <a:t>Click to edit Master text styles</a:t>
             </a:r>
           </a:p>
           <a:p>
             <a:pPr lvl="1"/>
             <a:r>
-              <a:rPr lang="en-US" smtClean="0"/>
+              <a:rPr lang="en-US"/>
               <a:t>Second level</a:t>
             </a:r>
           </a:p>
           <a:p>
             <a:pPr lvl="2"/>
             <a:r>
-              <a:rPr lang="en-US" smtClean="0"/>
+              <a:rPr lang="en-US"/>
               <a:t>Third level</a:t>
             </a:r>
           </a:p>
           <a:p>
             <a:pPr lvl="3"/>
             <a:r>
-              <a:rPr lang="en-US" smtClean="0"/>
+              <a:rPr lang="en-US"/>
               <a:t>Fourth level</a:t>
             </a:r>
           </a:p>
           <a:p>
             <a:pPr lvl="4"/>
             <a:r>
-              <a:rPr lang="en-US" smtClean="0"/>
+              <a:rPr lang="en-US"/>
               <a:t>Fifth level</a:t>
             </a:r>
-            <a:endParaRPr lang="en-US"/>
           </a:p>
         </p:txBody>
       </p:sp>
@@ -1626,8 +1612,8 @@
         </p:nvSpPr>
         <p:spPr>
           <a:xfrm>
-            <a:off x="4645025" y="1535113"/>
-            <a:ext cx="4041775" cy="639762"/>
+            <a:off x="4645026" y="1151335"/>
+            <a:ext cx="4041775" cy="479822"/>
           </a:xfrm>
         </p:spPr>
         <p:txBody>
@@ -1635,45 +1621,45 @@
           <a:lstStyle>
             <a:lvl1pPr marL="0" indent="0">
               <a:buNone/>
-              <a:defRPr sz="2400" b="1"/>
+              <a:defRPr sz="1800" b="1"/>
             </a:lvl1pPr>
-            <a:lvl2pPr marL="457200" indent="0">
-              <a:buNone/>
-              <a:defRPr sz="2000" b="1"/>
+            <a:lvl2pPr marL="342900" indent="0">
+              <a:buNone/>
+              <a:defRPr sz="1500" b="1"/>
             </a:lvl2pPr>
-            <a:lvl3pPr marL="914400" indent="0">
-              <a:buNone/>
-              <a:defRPr sz="1800" b="1"/>
+            <a:lvl3pPr marL="685800" indent="0">
+              <a:buNone/>
+              <a:defRPr sz="1350" b="1"/>
             </a:lvl3pPr>
-            <a:lvl4pPr marL="1371600" indent="0">
-              <a:buNone/>
-              <a:defRPr sz="1600" b="1"/>
+            <a:lvl4pPr marL="1028700" indent="0">
+              <a:buNone/>
+              <a:defRPr sz="1200" b="1"/>
             </a:lvl4pPr>
-            <a:lvl5pPr marL="1828800" indent="0">
-              <a:buNone/>
-              <a:defRPr sz="1600" b="1"/>
+            <a:lvl5pPr marL="1371600" indent="0">
+              <a:buNone/>
+              <a:defRPr sz="1200" b="1"/>
             </a:lvl5pPr>
-            <a:lvl6pPr marL="2286000" indent="0">
-              <a:buNone/>
-              <a:defRPr sz="1600" b="1"/>
+            <a:lvl6pPr marL="1714500" indent="0">
+              <a:buNone/>
+              <a:defRPr sz="1200" b="1"/>
             </a:lvl6pPr>
-            <a:lvl7pPr marL="2743200" indent="0">
-              <a:buNone/>
-              <a:defRPr sz="1600" b="1"/>
+            <a:lvl7pPr marL="2057400" indent="0">
+              <a:buNone/>
+              <a:defRPr sz="1200" b="1"/>
             </a:lvl7pPr>
-            <a:lvl8pPr marL="3200400" indent="0">
-              <a:buNone/>
-              <a:defRPr sz="1600" b="1"/>
+            <a:lvl8pPr marL="2400300" indent="0">
+              <a:buNone/>
+              <a:defRPr sz="1200" b="1"/>
             </a:lvl8pPr>
-            <a:lvl9pPr marL="3657600" indent="0">
-              <a:buNone/>
-              <a:defRPr sz="1600" b="1"/>
+            <a:lvl9pPr marL="2743200" indent="0">
+              <a:buNone/>
+              <a:defRPr sz="1200" b="1"/>
             </a:lvl9pPr>
           </a:lstStyle>
           <a:p>
             <a:pPr lvl="0"/>
             <a:r>
-              <a:rPr lang="en-US" smtClean="0"/>
+              <a:rPr lang="en-US"/>
               <a:t>Click to edit Master text styles</a:t>
             </a:r>
           </a:p>
@@ -1691,76 +1677,75 @@
         </p:nvSpPr>
         <p:spPr>
           <a:xfrm>
-            <a:off x="4645025" y="2174875"/>
-            <a:ext cx="4041775" cy="3951288"/>
+            <a:off x="4645026" y="1631156"/>
+            <a:ext cx="4041775" cy="2963466"/>
           </a:xfrm>
         </p:spPr>
         <p:txBody>
           <a:bodyPr/>
           <a:lstStyle>
             <a:lvl1pPr>
-              <a:defRPr sz="2400"/>
+              <a:defRPr sz="1800"/>
             </a:lvl1pPr>
             <a:lvl2pPr>
-              <a:defRPr sz="2000"/>
+              <a:defRPr sz="1500"/>
             </a:lvl2pPr>
             <a:lvl3pPr>
-              <a:defRPr sz="1800"/>
+              <a:defRPr sz="1350"/>
             </a:lvl3pPr>
             <a:lvl4pPr>
-              <a:defRPr sz="1600"/>
+              <a:defRPr sz="1200"/>
             </a:lvl4pPr>
             <a:lvl5pPr>
-              <a:defRPr sz="1600"/>
+              <a:defRPr sz="1200"/>
             </a:lvl5pPr>
             <a:lvl6pPr>
-              <a:defRPr sz="1600"/>
+              <a:defRPr sz="1200"/>
             </a:lvl6pPr>
             <a:lvl7pPr>
-              <a:defRPr sz="1600"/>
+              <a:defRPr sz="1200"/>
             </a:lvl7pPr>
             <a:lvl8pPr>
-              <a:defRPr sz="1600"/>
+              <a:defRPr sz="1200"/>
             </a:lvl8pPr>
             <a:lvl9pPr>
-              <a:defRPr sz="1600"/>
+              <a:defRPr sz="1200"/>
             </a:lvl9pPr>
           </a:lstStyle>
           <a:p>
             <a:pPr lvl="0"/>
             <a:r>
-              <a:rPr lang="en-US" smtClean="0"/>
+              <a:rPr lang="en-US"/>
               <a:t>Click to edit Master text styles</a:t>
             </a:r>
           </a:p>
           <a:p>
             <a:pPr lvl="1"/>
             <a:r>
-              <a:rPr lang="en-US" smtClean="0"/>
+              <a:rPr lang="en-US"/>
               <a:t>Second level</a:t>
             </a:r>
           </a:p>
           <a:p>
             <a:pPr lvl="2"/>
             <a:r>
-              <a:rPr lang="en-US" smtClean="0"/>
+              <a:rPr lang="en-US"/>
               <a:t>Third level</a:t>
             </a:r>
           </a:p>
           <a:p>
             <a:pPr lvl="3"/>
             <a:r>
-              <a:rPr lang="en-US" smtClean="0"/>
+              <a:rPr lang="en-US"/>
               <a:t>Fourth level</a:t>
             </a:r>
           </a:p>
           <a:p>
             <a:pPr lvl="4"/>
             <a:r>
-              <a:rPr lang="en-US" smtClean="0"/>
+              <a:rPr lang="en-US"/>
               <a:t>Fifth level</a:t>
             </a:r>
-            <a:endParaRPr lang="en-US"/>
           </a:p>
         </p:txBody>
       </p:sp>
@@ -1781,7 +1766,7 @@
           <a:p>
             <a:fld id="{241EB5C9-1307-BA42-ABA2-0BC069CD8E7F}" type="datetimeFigureOut">
               <a:rPr lang="en-US" smtClean="0"/>
-              <a:t>4/5/2019</a:t>
+              <a:t>1/2/22</a:t>
             </a:fld>
             <a:endParaRPr lang="en-US"/>
           </a:p>
@@ -1875,10 +1860,9 @@
           <a:lstStyle/>
           <a:p>
             <a:r>
-              <a:rPr lang="en-US" smtClean="0"/>
+              <a:rPr lang="en-US"/>
               <a:t>Click to edit Master title style</a:t>
             </a:r>
-            <a:endParaRPr lang="en-US"/>
           </a:p>
         </p:txBody>
       </p:sp>
@@ -1899,7 +1883,7 @@
           <a:p>
             <a:fld id="{241EB5C9-1307-BA42-ABA2-0BC069CD8E7F}" type="datetimeFigureOut">
               <a:rPr lang="en-US" smtClean="0"/>
-              <a:t>4/5/2019</a:t>
+              <a:t>1/2/22</a:t>
             </a:fld>
             <a:endParaRPr lang="en-US"/>
           </a:p>
@@ -1994,7 +1978,7 @@
           <a:p>
             <a:fld id="{241EB5C9-1307-BA42-ABA2-0BC069CD8E7F}" type="datetimeFigureOut">
               <a:rPr lang="en-US" smtClean="0"/>
-              <a:t>4/5/2019</a:t>
+              <a:t>1/2/22</a:t>
             </a:fld>
             <a:endParaRPr lang="en-US"/>
           </a:p>
@@ -2084,23 +2068,22 @@
         </p:nvSpPr>
         <p:spPr>
           <a:xfrm>
-            <a:off x="457200" y="273050"/>
-            <a:ext cx="3008313" cy="1162050"/>
+            <a:off x="457201" y="204787"/>
+            <a:ext cx="3008313" cy="871538"/>
           </a:xfrm>
         </p:spPr>
         <p:txBody>
           <a:bodyPr anchor="b"/>
           <a:lstStyle>
             <a:lvl1pPr algn="l">
-              <a:defRPr sz="2000" b="1"/>
+              <a:defRPr sz="1500" b="1"/>
             </a:lvl1pPr>
           </a:lstStyle>
           <a:p>
             <a:r>
-              <a:rPr lang="en-US" smtClean="0"/>
+              <a:rPr lang="en-US"/>
               <a:t>Click to edit Master title style</a:t>
             </a:r>
-            <a:endParaRPr lang="en-US"/>
           </a:p>
         </p:txBody>
       </p:sp>
@@ -2116,76 +2099,75 @@
         </p:nvSpPr>
         <p:spPr>
           <a:xfrm>
-            <a:off x="3575050" y="273050"/>
-            <a:ext cx="5111750" cy="5853113"/>
+            <a:off x="3575050" y="204788"/>
+            <a:ext cx="5111750" cy="4389835"/>
           </a:xfrm>
         </p:spPr>
         <p:txBody>
           <a:bodyPr/>
           <a:lstStyle>
             <a:lvl1pPr>
-              <a:defRPr sz="3200"/>
+              <a:defRPr sz="2400"/>
             </a:lvl1pPr>
             <a:lvl2pPr>
-              <a:defRPr sz="2800"/>
+              <a:defRPr sz="2100"/>
             </a:lvl2pPr>
             <a:lvl3pPr>
-              <a:defRPr sz="2400"/>
+              <a:defRPr sz="1800"/>
             </a:lvl3pPr>
             <a:lvl4pPr>
-              <a:defRPr sz="2000"/>
+              <a:defRPr sz="1500"/>
             </a:lvl4pPr>
             <a:lvl5pPr>
-              <a:defRPr sz="2000"/>
+              <a:defRPr sz="1500"/>
             </a:lvl5pPr>
             <a:lvl6pPr>
-              <a:defRPr sz="2000"/>
+              <a:defRPr sz="1500"/>
             </a:lvl6pPr>
             <a:lvl7pPr>
-              <a:defRPr sz="2000"/>
+              <a:defRPr sz="1500"/>
             </a:lvl7pPr>
             <a:lvl8pPr>
-              <a:defRPr sz="2000"/>
+              <a:defRPr sz="1500"/>
             </a:lvl8pPr>
             <a:lvl9pPr>
-              <a:defRPr sz="2000"/>
+              <a:defRPr sz="1500"/>
             </a:lvl9pPr>
           </a:lstStyle>
           <a:p>
             <a:pPr lvl="0"/>
             <a:r>
-              <a:rPr lang="en-US" smtClean="0"/>
+              <a:rPr lang="en-US"/>
               <a:t>Click to edit Master text styles</a:t>
             </a:r>
           </a:p>
           <a:p>
             <a:pPr lvl="1"/>
             <a:r>
-              <a:rPr lang="en-US" smtClean="0"/>
+              <a:rPr lang="en-US"/>
               <a:t>Second level</a:t>
             </a:r>
           </a:p>
           <a:p>
             <a:pPr lvl="2"/>
             <a:r>
-              <a:rPr lang="en-US" smtClean="0"/>
+              <a:rPr lang="en-US"/>
               <a:t>Third level</a:t>
             </a:r>
           </a:p>
           <a:p>
             <a:pPr lvl="3"/>
             <a:r>
-              <a:rPr lang="en-US" smtClean="0"/>
+              <a:rPr lang="en-US"/>
               <a:t>Fourth level</a:t>
             </a:r>
           </a:p>
           <a:p>
             <a:pPr lvl="4"/>
             <a:r>
-              <a:rPr lang="en-US" smtClean="0"/>
+              <a:rPr lang="en-US"/>
               <a:t>Fifth level</a:t>
             </a:r>
-            <a:endParaRPr lang="en-US"/>
           </a:p>
         </p:txBody>
       </p:sp>
@@ -2201,8 +2183,8 @@
         </p:nvSpPr>
         <p:spPr>
           <a:xfrm>
-            <a:off x="457200" y="1435100"/>
-            <a:ext cx="3008313" cy="4691063"/>
+            <a:off x="457201" y="1076326"/>
+            <a:ext cx="3008313" cy="3518297"/>
           </a:xfrm>
         </p:spPr>
         <p:txBody>
@@ -2210,45 +2192,45 @@
           <a:lstStyle>
             <a:lvl1pPr marL="0" indent="0">
               <a:buNone/>
-              <a:defRPr sz="1400"/>
+              <a:defRPr sz="1050"/>
             </a:lvl1pPr>
-            <a:lvl2pPr marL="457200" indent="0">
-              <a:buNone/>
-              <a:defRPr sz="1200"/>
+            <a:lvl2pPr marL="342900" indent="0">
+              <a:buNone/>
+              <a:defRPr sz="900"/>
             </a:lvl2pPr>
-            <a:lvl3pPr marL="914400" indent="0">
-              <a:buNone/>
-              <a:defRPr sz="1000"/>
+            <a:lvl3pPr marL="685800" indent="0">
+              <a:buNone/>
+              <a:defRPr sz="750"/>
             </a:lvl3pPr>
-            <a:lvl4pPr marL="1371600" indent="0">
-              <a:buNone/>
-              <a:defRPr sz="900"/>
+            <a:lvl4pPr marL="1028700" indent="0">
+              <a:buNone/>
+              <a:defRPr sz="675"/>
             </a:lvl4pPr>
-            <a:lvl5pPr marL="1828800" indent="0">
-              <a:buNone/>
-              <a:defRPr sz="900"/>
+            <a:lvl5pPr marL="1371600" indent="0">
+              <a:buNone/>
+              <a:defRPr sz="675"/>
             </a:lvl5pPr>
-            <a:lvl6pPr marL="2286000" indent="0">
-              <a:buNone/>
-              <a:defRPr sz="900"/>
+            <a:lvl6pPr marL="1714500" indent="0">
+              <a:buNone/>
+              <a:defRPr sz="675"/>
             </a:lvl6pPr>
-            <a:lvl7pPr marL="2743200" indent="0">
-              <a:buNone/>
-              <a:defRPr sz="900"/>
+            <a:lvl7pPr marL="2057400" indent="0">
+              <a:buNone/>
+              <a:defRPr sz="675"/>
             </a:lvl7pPr>
-            <a:lvl8pPr marL="3200400" indent="0">
-              <a:buNone/>
-              <a:defRPr sz="900"/>
+            <a:lvl8pPr marL="2400300" indent="0">
+              <a:buNone/>
+              <a:defRPr sz="675"/>
             </a:lvl8pPr>
-            <a:lvl9pPr marL="3657600" indent="0">
-              <a:buNone/>
-              <a:defRPr sz="900"/>
+            <a:lvl9pPr marL="2743200" indent="0">
+              <a:buNone/>
+              <a:defRPr sz="675"/>
             </a:lvl9pPr>
           </a:lstStyle>
           <a:p>
             <a:pPr lvl="0"/>
             <a:r>
-              <a:rPr lang="en-US" smtClean="0"/>
+              <a:rPr lang="en-US"/>
               <a:t>Click to edit Master text styles</a:t>
             </a:r>
           </a:p>
@@ -2271,7 +2253,7 @@
           <a:p>
             <a:fld id="{241EB5C9-1307-BA42-ABA2-0BC069CD8E7F}" type="datetimeFigureOut">
               <a:rPr lang="en-US" smtClean="0"/>
-              <a:t>4/5/2019</a:t>
+              <a:t>1/2/22</a:t>
             </a:fld>
             <a:endParaRPr lang="en-US"/>
           </a:p>
@@ -2361,23 +2343,22 @@
         </p:nvSpPr>
         <p:spPr>
           <a:xfrm>
-            <a:off x="1792288" y="4800600"/>
-            <a:ext cx="5486400" cy="566738"/>
+            <a:off x="1792288" y="3600450"/>
+            <a:ext cx="5486400" cy="425054"/>
           </a:xfrm>
         </p:spPr>
         <p:txBody>
           <a:bodyPr anchor="b"/>
           <a:lstStyle>
             <a:lvl1pPr algn="l">
-              <a:defRPr sz="2000" b="1"/>
+              <a:defRPr sz="1500" b="1"/>
             </a:lvl1pPr>
           </a:lstStyle>
           <a:p>
             <a:r>
-              <a:rPr lang="en-US" smtClean="0"/>
+              <a:rPr lang="en-US"/>
               <a:t>Click to edit Master title style</a:t>
             </a:r>
-            <a:endParaRPr lang="en-US"/>
           </a:p>
         </p:txBody>
       </p:sp>
@@ -2393,8 +2374,8 @@
         </p:nvSpPr>
         <p:spPr>
           <a:xfrm>
-            <a:off x="1792288" y="612775"/>
-            <a:ext cx="5486400" cy="4114800"/>
+            <a:off x="1792288" y="459581"/>
+            <a:ext cx="5486400" cy="3086100"/>
           </a:xfrm>
         </p:spPr>
         <p:txBody>
@@ -2402,39 +2383,39 @@
           <a:lstStyle>
             <a:lvl1pPr marL="0" indent="0">
               <a:buNone/>
-              <a:defRPr sz="3200"/>
+              <a:defRPr sz="2400"/>
             </a:lvl1pPr>
-            <a:lvl2pPr marL="457200" indent="0">
-              <a:buNone/>
-              <a:defRPr sz="2800"/>
+            <a:lvl2pPr marL="342900" indent="0">
+              <a:buNone/>
+              <a:defRPr sz="2100"/>
             </a:lvl2pPr>
-            <a:lvl3pPr marL="914400" indent="0">
-              <a:buNone/>
-              <a:defRPr sz="2400"/>
+            <a:lvl3pPr marL="685800" indent="0">
+              <a:buNone/>
+              <a:defRPr sz="1800"/>
             </a:lvl3pPr>
-            <a:lvl4pPr marL="1371600" indent="0">
-              <a:buNone/>
-              <a:defRPr sz="2000"/>
+            <a:lvl4pPr marL="1028700" indent="0">
+              <a:buNone/>
+              <a:defRPr sz="1500"/>
             </a:lvl4pPr>
-            <a:lvl5pPr marL="1828800" indent="0">
-              <a:buNone/>
-              <a:defRPr sz="2000"/>
+            <a:lvl5pPr marL="1371600" indent="0">
+              <a:buNone/>
+              <a:defRPr sz="1500"/>
             </a:lvl5pPr>
-            <a:lvl6pPr marL="2286000" indent="0">
-              <a:buNone/>
-              <a:defRPr sz="2000"/>
+            <a:lvl6pPr marL="1714500" indent="0">
+              <a:buNone/>
+              <a:defRPr sz="1500"/>
             </a:lvl6pPr>
-            <a:lvl7pPr marL="2743200" indent="0">
-              <a:buNone/>
-              <a:defRPr sz="2000"/>
+            <a:lvl7pPr marL="2057400" indent="0">
+              <a:buNone/>
+              <a:defRPr sz="1500"/>
             </a:lvl7pPr>
-            <a:lvl8pPr marL="3200400" indent="0">
-              <a:buNone/>
-              <a:defRPr sz="2000"/>
+            <a:lvl8pPr marL="2400300" indent="0">
+              <a:buNone/>
+              <a:defRPr sz="1500"/>
             </a:lvl8pPr>
-            <a:lvl9pPr marL="3657600" indent="0">
-              <a:buNone/>
-              <a:defRPr sz="2000"/>
+            <a:lvl9pPr marL="2743200" indent="0">
+              <a:buNone/>
+              <a:defRPr sz="1500"/>
             </a:lvl9pPr>
           </a:lstStyle>
           <a:p>
@@ -2454,8 +2435,8 @@
         </p:nvSpPr>
         <p:spPr>
           <a:xfrm>
-            <a:off x="1792288" y="5367338"/>
-            <a:ext cx="5486400" cy="804862"/>
+            <a:off x="1792288" y="4025503"/>
+            <a:ext cx="5486400" cy="603647"/>
           </a:xfrm>
         </p:spPr>
         <p:txBody>
@@ -2463,45 +2444,45 @@
           <a:lstStyle>
             <a:lvl1pPr marL="0" indent="0">
               <a:buNone/>
-              <a:defRPr sz="1400"/>
+              <a:defRPr sz="1050"/>
             </a:lvl1pPr>
-            <a:lvl2pPr marL="457200" indent="0">
-              <a:buNone/>
-              <a:defRPr sz="1200"/>
+            <a:lvl2pPr marL="342900" indent="0">
+              <a:buNone/>
+              <a:defRPr sz="900"/>
             </a:lvl2pPr>
-            <a:lvl3pPr marL="914400" indent="0">
-              <a:buNone/>
-              <a:defRPr sz="1000"/>
+            <a:lvl3pPr marL="685800" indent="0">
+              <a:buNone/>
+              <a:defRPr sz="750"/>
             </a:lvl3pPr>
-            <a:lvl4pPr marL="1371600" indent="0">
-              <a:buNone/>
-              <a:defRPr sz="900"/>
+            <a:lvl4pPr marL="1028700" indent="0">
+              <a:buNone/>
+              <a:defRPr sz="675"/>
             </a:lvl4pPr>
-            <a:lvl5pPr marL="1828800" indent="0">
-              <a:buNone/>
-              <a:defRPr sz="900"/>
+            <a:lvl5pPr marL="1371600" indent="0">
+              <a:buNone/>
+              <a:defRPr sz="675"/>
             </a:lvl5pPr>
-            <a:lvl6pPr marL="2286000" indent="0">
-              <a:buNone/>
-              <a:defRPr sz="900"/>
+            <a:lvl6pPr marL="1714500" indent="0">
+              <a:buNone/>
+              <a:defRPr sz="675"/>
             </a:lvl6pPr>
-            <a:lvl7pPr marL="2743200" indent="0">
-              <a:buNone/>
-              <a:defRPr sz="900"/>
+            <a:lvl7pPr marL="2057400" indent="0">
+              <a:buNone/>
+              <a:defRPr sz="675"/>
             </a:lvl7pPr>
-            <a:lvl8pPr marL="3200400" indent="0">
-              <a:buNone/>
-              <a:defRPr sz="900"/>
+            <a:lvl8pPr marL="2400300" indent="0">
+              <a:buNone/>
+              <a:defRPr sz="675"/>
             </a:lvl8pPr>
-            <a:lvl9pPr marL="3657600" indent="0">
-              <a:buNone/>
-              <a:defRPr sz="900"/>
+            <a:lvl9pPr marL="2743200" indent="0">
+              <a:buNone/>
+              <a:defRPr sz="675"/>
             </a:lvl9pPr>
           </a:lstStyle>
           <a:p>
             <a:pPr lvl="0"/>
             <a:r>
-              <a:rPr lang="en-US" smtClean="0"/>
+              <a:rPr lang="en-US"/>
               <a:t>Click to edit Master text styles</a:t>
             </a:r>
           </a:p>
@@ -2524,7 +2505,7 @@
           <a:p>
             <a:fld id="{241EB5C9-1307-BA42-ABA2-0BC069CD8E7F}" type="datetimeFigureOut">
               <a:rPr lang="en-US" smtClean="0"/>
-              <a:t>4/5/2019</a:t>
+              <a:t>1/2/22</a:t>
             </a:fld>
             <a:endParaRPr lang="en-US"/>
           </a:p>
@@ -2619,8 +2600,8 @@
         </p:nvSpPr>
         <p:spPr>
           <a:xfrm>
-            <a:off x="457200" y="274638"/>
-            <a:ext cx="8229600" cy="1143000"/>
+            <a:off x="457200" y="205979"/>
+            <a:ext cx="8229600" cy="857250"/>
           </a:xfrm>
           <a:prstGeom prst="rect">
             <a:avLst/>
@@ -2633,10 +2614,9 @@
           <a:lstStyle/>
           <a:p>
             <a:r>
-              <a:rPr lang="en-US" smtClean="0"/>
+              <a:rPr lang="en-US"/>
               <a:t>Click to edit Master title style</a:t>
             </a:r>
-            <a:endParaRPr lang="en-US"/>
           </a:p>
         </p:txBody>
       </p:sp>
@@ -2652,8 +2632,8 @@
         </p:nvSpPr>
         <p:spPr>
           <a:xfrm>
-            <a:off x="457200" y="1600200"/>
-            <a:ext cx="8229600" cy="4525963"/>
+            <a:off x="457200" y="1200151"/>
+            <a:ext cx="8229600" cy="3394472"/>
           </a:xfrm>
           <a:prstGeom prst="rect">
             <a:avLst/>
@@ -2667,38 +2647,37 @@
           <a:p>
             <a:pPr lvl="0"/>
             <a:r>
-              <a:rPr lang="en-US" smtClean="0"/>
+              <a:rPr lang="en-US"/>
               <a:t>Click to edit Master text styles</a:t>
             </a:r>
           </a:p>
           <a:p>
             <a:pPr lvl="1"/>
             <a:r>
-              <a:rPr lang="en-US" smtClean="0"/>
+              <a:rPr lang="en-US"/>
               <a:t>Second level</a:t>
             </a:r>
           </a:p>
           <a:p>
             <a:pPr lvl="2"/>
             <a:r>
-              <a:rPr lang="en-US" smtClean="0"/>
+              <a:rPr lang="en-US"/>
               <a:t>Third level</a:t>
             </a:r>
           </a:p>
           <a:p>
             <a:pPr lvl="3"/>
             <a:r>
-              <a:rPr lang="en-US" smtClean="0"/>
+              <a:rPr lang="en-US"/>
               <a:t>Fourth level</a:t>
             </a:r>
           </a:p>
           <a:p>
             <a:pPr lvl="4"/>
             <a:r>
-              <a:rPr lang="en-US" smtClean="0"/>
+              <a:rPr lang="en-US"/>
               <a:t>Fifth level</a:t>
             </a:r>
-            <a:endParaRPr lang="en-US"/>
           </a:p>
         </p:txBody>
       </p:sp>
@@ -2714,8 +2693,8 @@
         </p:nvSpPr>
         <p:spPr>
           <a:xfrm>
-            <a:off x="457200" y="6356350"/>
-            <a:ext cx="2133600" cy="365125"/>
+            <a:off x="457200" y="4767263"/>
+            <a:ext cx="2133600" cy="273844"/>
           </a:xfrm>
           <a:prstGeom prst="rect">
             <a:avLst/>
@@ -2725,7 +2704,7 @@
           <a:bodyPr anchor="ctr" bIns="45720" lIns="91440" rIns="91440" rtlCol="0" tIns="45720" vert="horz"/>
           <a:lstStyle>
             <a:lvl1pPr algn="l">
-              <a:defRPr sz="1200">
+              <a:defRPr sz="900">
                 <a:solidFill>
                   <a:schemeClr val="tx1">
                     <a:tint val="75000"/>
@@ -2737,7 +2716,7 @@
           <a:p>
             <a:fld id="{241EB5C9-1307-BA42-ABA2-0BC069CD8E7F}" type="datetimeFigureOut">
               <a:rPr lang="en-US" smtClean="0"/>
-              <a:t>4/5/2019</a:t>
+              <a:t>1/2/22</a:t>
             </a:fld>
             <a:endParaRPr lang="en-US"/>
           </a:p>
@@ -2755,8 +2734,8 @@
         </p:nvSpPr>
         <p:spPr>
           <a:xfrm>
-            <a:off x="3124200" y="6356350"/>
-            <a:ext cx="2895600" cy="365125"/>
+            <a:off x="3124200" y="4767263"/>
+            <a:ext cx="2895600" cy="273844"/>
           </a:xfrm>
           <a:prstGeom prst="rect">
             <a:avLst/>
@@ -2766,7 +2745,7 @@
           <a:bodyPr anchor="ctr" bIns="45720" lIns="91440" rIns="91440" rtlCol="0" tIns="45720" vert="horz"/>
           <a:lstStyle>
             <a:lvl1pPr algn="ctr">
-              <a:defRPr sz="1200">
+              <a:defRPr sz="900">
                 <a:solidFill>
                   <a:schemeClr val="tx1">
                     <a:tint val="75000"/>
@@ -2792,8 +2771,8 @@
         </p:nvSpPr>
         <p:spPr>
           <a:xfrm>
-            <a:off x="6553200" y="6356350"/>
-            <a:ext cx="2133600" cy="365125"/>
+            <a:off x="6553200" y="4767263"/>
+            <a:ext cx="2133600" cy="273844"/>
           </a:xfrm>
           <a:prstGeom prst="rect">
             <a:avLst/>
@@ -2803,7 +2782,7 @@
           <a:bodyPr anchor="ctr" bIns="45720" lIns="91440" rIns="91440" rtlCol="0" tIns="45720" vert="horz"/>
           <a:lstStyle>
             <a:lvl1pPr algn="r">
-              <a:defRPr sz="1200">
+              <a:defRPr sz="900">
                 <a:solidFill>
                   <a:schemeClr val="tx1">
                     <a:tint val="75000"/>
@@ -2844,12 +2823,12 @@
   </p:sldLayoutIdLst>
   <p:txStyles>
     <p:titleStyle>
-      <a:lvl1pPr algn="ctr" defTabSz="457200" eaLnBrk="1" hangingPunct="1" latinLnBrk="0" rtl="0">
+      <a:lvl1pPr algn="ctr" defTabSz="342900" eaLnBrk="1" hangingPunct="1" latinLnBrk="0" rtl="0">
         <a:spcBef>
           <a:spcPct val="0"/>
         </a:spcBef>
         <a:buNone/>
-        <a:defRPr kern="1200" sz="4400">
+        <a:defRPr kern="1200" sz="3300">
           <a:solidFill>
             <a:schemeClr val="tx1"/>
           </a:solidFill>
@@ -2860,37 +2839,7 @@
       </a:lvl1pPr>
     </p:titleStyle>
     <p:bodyStyle>
-      <a:lvl1pPr algn="l" defTabSz="457200" eaLnBrk="1" hangingPunct="1" indent="-457200" latinLnBrk="0" marL="457200" rtl="0">
-        <a:spcBef>
-          <a:spcPct val="20000"/>
-        </a:spcBef>
-        <a:buFont typeface="Arial"/>
-        <a:buChar char="•"/>
-        <a:defRPr kern="1200" sz="3200">
-          <a:solidFill>
-            <a:schemeClr val="tx1"/>
-          </a:solidFill>
-          <a:latin typeface="+mn-lt"/>
-          <a:ea typeface="+mn-ea"/>
-          <a:cs typeface="+mn-cs"/>
-        </a:defRPr>
-      </a:lvl1pPr>
-      <a:lvl2pPr algn="l" defTabSz="457200" eaLnBrk="1" hangingPunct="1" indent="-457200" latinLnBrk="0" marL="914400" rtl="0">
-        <a:spcBef>
-          <a:spcPct val="20000"/>
-        </a:spcBef>
-        <a:buFont typeface="Arial"/>
-        <a:buChar char="–"/>
-        <a:defRPr kern="1200" sz="2800">
-          <a:solidFill>
-            <a:schemeClr val="tx1"/>
-          </a:solidFill>
-          <a:latin typeface="+mn-lt"/>
-          <a:ea typeface="+mn-ea"/>
-          <a:cs typeface="+mn-cs"/>
-        </a:defRPr>
-      </a:lvl2pPr>
-      <a:lvl3pPr algn="l" defTabSz="457200" eaLnBrk="1" hangingPunct="1" indent="-457200" latinLnBrk="0" marL="1371600" rtl="0">
+      <a:lvl1pPr algn="l" defTabSz="342900" eaLnBrk="1" hangingPunct="1" indent="-342900" latinLnBrk="0" marL="342900" rtl="0">
         <a:spcBef>
           <a:spcPct val="20000"/>
         </a:spcBef>
@@ -2904,14 +2853,44 @@
           <a:ea typeface="+mn-ea"/>
           <a:cs typeface="+mn-cs"/>
         </a:defRPr>
-      </a:lvl3pPr>
-      <a:lvl4pPr algn="l" defTabSz="457200" eaLnBrk="1" hangingPunct="1" indent="-457200" latinLnBrk="0" marL="1828800" rtl="0">
+      </a:lvl1pPr>
+      <a:lvl2pPr algn="l" defTabSz="342900" eaLnBrk="1" hangingPunct="1" indent="-342900" latinLnBrk="0" marL="685800" rtl="0">
         <a:spcBef>
           <a:spcPct val="20000"/>
         </a:spcBef>
         <a:buFont typeface="Arial"/>
         <a:buChar char="–"/>
-        <a:defRPr kern="1200" sz="2000">
+        <a:defRPr kern="1200" sz="2100">
+          <a:solidFill>
+            <a:schemeClr val="tx1"/>
+          </a:solidFill>
+          <a:latin typeface="+mn-lt"/>
+          <a:ea typeface="+mn-ea"/>
+          <a:cs typeface="+mn-cs"/>
+        </a:defRPr>
+      </a:lvl2pPr>
+      <a:lvl3pPr algn="l" defTabSz="342900" eaLnBrk="1" hangingPunct="1" indent="-342900" latinLnBrk="0" marL="1028700" rtl="0">
+        <a:spcBef>
+          <a:spcPct val="20000"/>
+        </a:spcBef>
+        <a:buFont typeface="Arial"/>
+        <a:buChar char="•"/>
+        <a:defRPr kern="1200" sz="1800">
+          <a:solidFill>
+            <a:schemeClr val="tx1"/>
+          </a:solidFill>
+          <a:latin typeface="+mn-lt"/>
+          <a:ea typeface="+mn-ea"/>
+          <a:cs typeface="+mn-cs"/>
+        </a:defRPr>
+      </a:lvl3pPr>
+      <a:lvl4pPr algn="l" defTabSz="342900" eaLnBrk="1" hangingPunct="1" indent="-342900" latinLnBrk="0" marL="1371600" rtl="0">
+        <a:spcBef>
+          <a:spcPct val="20000"/>
+        </a:spcBef>
+        <a:buFont typeface="Arial"/>
+        <a:buChar char="–"/>
+        <a:defRPr kern="1200" sz="1500">
           <a:solidFill>
             <a:schemeClr val="tx1"/>
           </a:solidFill>
@@ -2920,13 +2899,13 @@
           <a:cs typeface="+mn-cs"/>
         </a:defRPr>
       </a:lvl4pPr>
-      <a:lvl5pPr algn="l" defTabSz="457200" eaLnBrk="1" hangingPunct="1" indent="-457200" latinLnBrk="0" marL="2286000" rtl="0">
+      <a:lvl5pPr algn="l" defTabSz="342900" eaLnBrk="1" hangingPunct="1" indent="-342900" latinLnBrk="0" marL="1714500" rtl="0">
         <a:spcBef>
           <a:spcPct val="20000"/>
         </a:spcBef>
         <a:buFont typeface="Arial"/>
         <a:buChar char="»"/>
-        <a:defRPr kern="1200" sz="2000">
+        <a:defRPr kern="1200" sz="1500">
           <a:solidFill>
             <a:schemeClr val="tx1"/>
           </a:solidFill>
@@ -2935,13 +2914,13 @@
           <a:cs typeface="+mn-cs"/>
         </a:defRPr>
       </a:lvl5pPr>
-      <a:lvl6pPr algn="l" defTabSz="457200" eaLnBrk="1" hangingPunct="1" indent="-457200" latinLnBrk="0" marL="2743200" rtl="0">
+      <a:lvl6pPr algn="l" defTabSz="342900" eaLnBrk="1" hangingPunct="1" indent="-342900" latinLnBrk="0" marL="2057400" rtl="0">
         <a:spcBef>
           <a:spcPct val="20000"/>
         </a:spcBef>
         <a:buFont typeface="Arial"/>
         <a:buChar char="•"/>
-        <a:defRPr kern="1200" sz="2000">
+        <a:defRPr kern="1200" sz="1500">
           <a:solidFill>
             <a:schemeClr val="tx1"/>
           </a:solidFill>
@@ -2950,13 +2929,13 @@
           <a:cs typeface="+mn-cs"/>
         </a:defRPr>
       </a:lvl6pPr>
-      <a:lvl7pPr algn="l" defTabSz="457200" eaLnBrk="1" hangingPunct="1" indent="-457200" latinLnBrk="0" marL="3200400" rtl="0">
+      <a:lvl7pPr algn="l" defTabSz="342900" eaLnBrk="1" hangingPunct="1" indent="-342900" latinLnBrk="0" marL="2400300" rtl="0">
         <a:spcBef>
           <a:spcPct val="20000"/>
         </a:spcBef>
         <a:buFont typeface="Arial"/>
         <a:buChar char="•"/>
-        <a:defRPr kern="1200" sz="2000">
+        <a:defRPr kern="1200" sz="1500">
           <a:solidFill>
             <a:schemeClr val="tx1"/>
           </a:solidFill>
@@ -2965,13 +2944,13 @@
           <a:cs typeface="+mn-cs"/>
         </a:defRPr>
       </a:lvl7pPr>
-      <a:lvl8pPr algn="l" defTabSz="457200" eaLnBrk="1" hangingPunct="1" indent="-457200" latinLnBrk="0" marL="3657600" rtl="0">
+      <a:lvl8pPr algn="l" defTabSz="342900" eaLnBrk="1" hangingPunct="1" indent="-342900" latinLnBrk="0" marL="2743200" rtl="0">
         <a:spcBef>
           <a:spcPct val="20000"/>
         </a:spcBef>
         <a:buFont typeface="Arial"/>
         <a:buChar char="•"/>
-        <a:defRPr kern="1200" sz="2000">
+        <a:defRPr kern="1200" sz="1500">
           <a:solidFill>
             <a:schemeClr val="tx1"/>
           </a:solidFill>
@@ -2980,13 +2959,13 @@
           <a:cs typeface="+mn-cs"/>
         </a:defRPr>
       </a:lvl8pPr>
-      <a:lvl9pPr algn="l" defTabSz="457200" eaLnBrk="1" hangingPunct="1" indent="-457200" latinLnBrk="0" marL="4114800" rtl="0">
+      <a:lvl9pPr algn="l" defTabSz="342900" eaLnBrk="1" hangingPunct="1" indent="-342900" latinLnBrk="0" marL="3086100" rtl="0">
         <a:spcBef>
           <a:spcPct val="20000"/>
         </a:spcBef>
         <a:buFont typeface="Arial"/>
         <a:buChar char="•"/>
-        <a:defRPr kern="1200" sz="2000">
+        <a:defRPr kern="1200" sz="1500">
           <a:solidFill>
             <a:schemeClr val="tx1"/>
           </a:solidFill>
@@ -3000,8 +2979,8 @@
       <a:defPPr>
         <a:defRPr lang="en-US"/>
       </a:defPPr>
-      <a:lvl1pPr algn="l" defTabSz="457200" eaLnBrk="1" hangingPunct="1" latinLnBrk="0" marL="0" rtl="0">
-        <a:defRPr kern="1200" sz="1800">
+      <a:lvl1pPr algn="l" defTabSz="342900" eaLnBrk="1" hangingPunct="1" latinLnBrk="0" marL="0" rtl="0">
+        <a:defRPr kern="1200" sz="1350">
           <a:solidFill>
             <a:schemeClr val="tx1"/>
           </a:solidFill>
@@ -3010,8 +2989,8 @@
           <a:cs typeface="+mn-cs"/>
         </a:defRPr>
       </a:lvl1pPr>
-      <a:lvl2pPr algn="l" defTabSz="457200" eaLnBrk="1" hangingPunct="1" latinLnBrk="0" marL="457200" rtl="0">
-        <a:defRPr kern="1200" sz="1800">
+      <a:lvl2pPr algn="l" defTabSz="342900" eaLnBrk="1" hangingPunct="1" latinLnBrk="0" marL="342900" rtl="0">
+        <a:defRPr kern="1200" sz="1350">
           <a:solidFill>
             <a:schemeClr val="tx1"/>
           </a:solidFill>
@@ -3020,8 +2999,8 @@
           <a:cs typeface="+mn-cs"/>
         </a:defRPr>
       </a:lvl2pPr>
-      <a:lvl3pPr algn="l" defTabSz="457200" eaLnBrk="1" hangingPunct="1" latinLnBrk="0" marL="914400" rtl="0">
-        <a:defRPr kern="1200" sz="1800">
+      <a:lvl3pPr algn="l" defTabSz="342900" eaLnBrk="1" hangingPunct="1" latinLnBrk="0" marL="685800" rtl="0">
+        <a:defRPr kern="1200" sz="1350">
           <a:solidFill>
             <a:schemeClr val="tx1"/>
           </a:solidFill>
@@ -3030,8 +3009,8 @@
           <a:cs typeface="+mn-cs"/>
         </a:defRPr>
       </a:lvl3pPr>
-      <a:lvl4pPr algn="l" defTabSz="457200" eaLnBrk="1" hangingPunct="1" latinLnBrk="0" marL="1371600" rtl="0">
-        <a:defRPr kern="1200" sz="1800">
+      <a:lvl4pPr algn="l" defTabSz="342900" eaLnBrk="1" hangingPunct="1" latinLnBrk="0" marL="1028700" rtl="0">
+        <a:defRPr kern="1200" sz="1350">
           <a:solidFill>
             <a:schemeClr val="tx1"/>
           </a:solidFill>
@@ -3040,8 +3019,8 @@
           <a:cs typeface="+mn-cs"/>
         </a:defRPr>
       </a:lvl4pPr>
-      <a:lvl5pPr algn="l" defTabSz="457200" eaLnBrk="1" hangingPunct="1" latinLnBrk="0" marL="1828800" rtl="0">
-        <a:defRPr kern="1200" sz="1800">
+      <a:lvl5pPr algn="l" defTabSz="342900" eaLnBrk="1" hangingPunct="1" latinLnBrk="0" marL="1371600" rtl="0">
+        <a:defRPr kern="1200" sz="1350">
           <a:solidFill>
             <a:schemeClr val="tx1"/>
           </a:solidFill>
@@ -3050,8 +3029,8 @@
           <a:cs typeface="+mn-cs"/>
         </a:defRPr>
       </a:lvl5pPr>
-      <a:lvl6pPr algn="l" defTabSz="457200" eaLnBrk="1" hangingPunct="1" latinLnBrk="0" marL="2286000" rtl="0">
-        <a:defRPr kern="1200" sz="1800">
+      <a:lvl6pPr algn="l" defTabSz="342900" eaLnBrk="1" hangingPunct="1" latinLnBrk="0" marL="1714500" rtl="0">
+        <a:defRPr kern="1200" sz="1350">
           <a:solidFill>
             <a:schemeClr val="tx1"/>
           </a:solidFill>
@@ -3060,8 +3039,8 @@
           <a:cs typeface="+mn-cs"/>
         </a:defRPr>
       </a:lvl6pPr>
-      <a:lvl7pPr algn="l" defTabSz="457200" eaLnBrk="1" hangingPunct="1" latinLnBrk="0" marL="2743200" rtl="0">
-        <a:defRPr kern="1200" sz="1800">
+      <a:lvl7pPr algn="l" defTabSz="342900" eaLnBrk="1" hangingPunct="1" latinLnBrk="0" marL="2057400" rtl="0">
+        <a:defRPr kern="1200" sz="1350">
           <a:solidFill>
             <a:schemeClr val="tx1"/>
           </a:solidFill>
@@ -3070,8 +3049,8 @@
           <a:cs typeface="+mn-cs"/>
         </a:defRPr>
       </a:lvl7pPr>
-      <a:lvl8pPr algn="l" defTabSz="457200" eaLnBrk="1" hangingPunct="1" latinLnBrk="0" marL="3200400" rtl="0">
-        <a:defRPr kern="1200" sz="1800">
+      <a:lvl8pPr algn="l" defTabSz="342900" eaLnBrk="1" hangingPunct="1" latinLnBrk="0" marL="2400300" rtl="0">
+        <a:defRPr kern="1200" sz="1350">
           <a:solidFill>
             <a:schemeClr val="tx1"/>
           </a:solidFill>
@@ -3080,8 +3059,8 @@
           <a:cs typeface="+mn-cs"/>
         </a:defRPr>
       </a:lvl8pPr>
-      <a:lvl9pPr algn="l" defTabSz="457200" eaLnBrk="1" hangingPunct="1" latinLnBrk="0" marL="3657600" rtl="0">
-        <a:defRPr kern="1200" sz="1800">
+      <a:lvl9pPr algn="l" defTabSz="342900" eaLnBrk="1" hangingPunct="1" latinLnBrk="0" marL="2743200" rtl="0">
+        <a:defRPr kern="1200" sz="1350">
           <a:solidFill>
             <a:schemeClr val="tx1"/>
           </a:solidFill>
@@ -3159,7 +3138,7 @@
             </a:r>
           </a:p>
           <a:p>
-            <a:pPr lvl="1" indent="0" marL="457200">
+            <a:pPr lvl="1" indent="0" marL="342900">
               <a:buNone/>
             </a:pPr>
             <a:r>
@@ -3268,7 +3247,7 @@
             </a:r>
           </a:p>
           <a:p>
-            <a:pPr lvl="0" indent="-457200" marL="457200">
+            <a:pPr lvl="0" indent="-342900" marL="342900">
               <a:buAutoNum type="arabicPeriod"/>
             </a:pPr>
             <a:r>
@@ -3277,7 +3256,7 @@
             </a:r>
           </a:p>
           <a:p>
-            <a:pPr lvl="1" indent="0" marL="457200">
+            <a:pPr lvl="1" indent="0" marL="342900">
               <a:buNone/>
             </a:pPr>
             <a:r>
@@ -3286,7 +3265,7 @@
             </a:r>
           </a:p>
           <a:p>
-            <a:pPr lvl="1" indent="-457200" marL="914400">
+            <a:pPr lvl="1" indent="-342900" marL="685800">
               <a:buAutoNum type="arabicPeriod"/>
             </a:pPr>
             <a:r>
@@ -3295,7 +3274,7 @@
             </a:r>
           </a:p>
           <a:p>
-            <a:pPr lvl="2" indent="0" marL="914400">
+            <a:pPr lvl="2" indent="0" marL="685800">
               <a:buNone/>
             </a:pPr>
             <a:r>
@@ -3304,7 +3283,7 @@
             </a:r>
           </a:p>
           <a:p>
-            <a:pPr lvl="1" indent="-457200" marL="914400">
+            <a:pPr lvl="1" indent="-342900" marL="685800">
               <a:buAutoNum type="arabicPeriod"/>
             </a:pPr>
             <a:r>
@@ -3313,7 +3292,7 @@
             </a:r>
           </a:p>
           <a:p>
-            <a:pPr lvl="0" indent="-457200" marL="457200">
+            <a:pPr lvl="0" indent="-342900" marL="342900">
               <a:buAutoNum type="arabicPeriod"/>
             </a:pPr>
             <a:r>
